--- a/Project/1차 발표 2016182026 2016182019.pptx
+++ b/Project/1차 발표 2016182026 2016182019.pptx
@@ -600,7 +600,7 @@
           <a:p>
             <a:fld id="{67B3DFFA-60E7-4C0A-926F-5F5732098047}" type="datetimeFigureOut">
               <a:rPr lang="ko-KR" altLang="en-US" smtClean="0"/>
-              <a:t>2017-10-16</a:t>
+              <a:t>2017-10-18</a:t>
             </a:fld>
             <a:endParaRPr lang="ko-KR" altLang="en-US"/>
           </a:p>
@@ -765,7 +765,7 @@
           <a:p>
             <a:fld id="{67B3DFFA-60E7-4C0A-926F-5F5732098047}" type="datetimeFigureOut">
               <a:rPr lang="ko-KR" altLang="en-US" smtClean="0"/>
-              <a:t>2017-10-16</a:t>
+              <a:t>2017-10-18</a:t>
             </a:fld>
             <a:endParaRPr lang="ko-KR" altLang="en-US"/>
           </a:p>
@@ -940,7 +940,7 @@
           <a:p>
             <a:fld id="{67B3DFFA-60E7-4C0A-926F-5F5732098047}" type="datetimeFigureOut">
               <a:rPr lang="ko-KR" altLang="en-US" smtClean="0"/>
-              <a:t>2017-10-16</a:t>
+              <a:t>2017-10-18</a:t>
             </a:fld>
             <a:endParaRPr lang="ko-KR" altLang="en-US"/>
           </a:p>
@@ -1105,7 +1105,7 @@
           <a:p>
             <a:fld id="{67B3DFFA-60E7-4C0A-926F-5F5732098047}" type="datetimeFigureOut">
               <a:rPr lang="ko-KR" altLang="en-US" smtClean="0"/>
-              <a:t>2017-10-16</a:t>
+              <a:t>2017-10-18</a:t>
             </a:fld>
             <a:endParaRPr lang="ko-KR" altLang="en-US"/>
           </a:p>
@@ -1658,7 +1658,7 @@
           <a:p>
             <a:fld id="{67B3DFFA-60E7-4C0A-926F-5F5732098047}" type="datetimeFigureOut">
               <a:rPr lang="ko-KR" altLang="en-US" smtClean="0"/>
-              <a:t>2017-10-16</a:t>
+              <a:t>2017-10-18</a:t>
             </a:fld>
             <a:endParaRPr lang="ko-KR" altLang="en-US"/>
           </a:p>
@@ -1918,7 +1918,7 @@
           <a:p>
             <a:fld id="{67B3DFFA-60E7-4C0A-926F-5F5732098047}" type="datetimeFigureOut">
               <a:rPr lang="ko-KR" altLang="en-US" smtClean="0"/>
-              <a:t>2017-10-16</a:t>
+              <a:t>2017-10-18</a:t>
             </a:fld>
             <a:endParaRPr lang="ko-KR" altLang="en-US"/>
           </a:p>
@@ -2406,7 +2406,7 @@
           <a:p>
             <a:fld id="{67B3DFFA-60E7-4C0A-926F-5F5732098047}" type="datetimeFigureOut">
               <a:rPr lang="ko-KR" altLang="en-US" smtClean="0"/>
-              <a:t>2017-10-16</a:t>
+              <a:t>2017-10-18</a:t>
             </a:fld>
             <a:endParaRPr lang="ko-KR" altLang="en-US"/>
           </a:p>
@@ -2519,7 +2519,7 @@
           <a:p>
             <a:fld id="{67B3DFFA-60E7-4C0A-926F-5F5732098047}" type="datetimeFigureOut">
               <a:rPr lang="ko-KR" altLang="en-US" smtClean="0"/>
-              <a:t>2017-10-16</a:t>
+              <a:t>2017-10-18</a:t>
             </a:fld>
             <a:endParaRPr lang="ko-KR" altLang="en-US"/>
           </a:p>
@@ -2609,7 +2609,7 @@
           <a:p>
             <a:fld id="{67B3DFFA-60E7-4C0A-926F-5F5732098047}" type="datetimeFigureOut">
               <a:rPr lang="ko-KR" altLang="en-US" smtClean="0"/>
-              <a:t>2017-10-16</a:t>
+              <a:t>2017-10-18</a:t>
             </a:fld>
             <a:endParaRPr lang="ko-KR" altLang="en-US"/>
           </a:p>
@@ -3039,7 +3039,7 @@
           <a:p>
             <a:fld id="{67B3DFFA-60E7-4C0A-926F-5F5732098047}" type="datetimeFigureOut">
               <a:rPr lang="ko-KR" altLang="en-US" smtClean="0"/>
-              <a:t>2017-10-16</a:t>
+              <a:t>2017-10-18</a:t>
             </a:fld>
             <a:endParaRPr lang="ko-KR" altLang="en-US"/>
           </a:p>
@@ -3572,7 +3572,7 @@
           <a:p>
             <a:fld id="{67B3DFFA-60E7-4C0A-926F-5F5732098047}" type="datetimeFigureOut">
               <a:rPr lang="ko-KR" altLang="en-US" smtClean="0"/>
-              <a:t>2017-10-16</a:t>
+              <a:t>2017-10-18</a:t>
             </a:fld>
             <a:endParaRPr lang="ko-KR" altLang="en-US"/>
           </a:p>
@@ -4412,7 +4412,7 @@
           <a:p>
             <a:fld id="{67B3DFFA-60E7-4C0A-926F-5F5732098047}" type="datetimeFigureOut">
               <a:rPr lang="ko-KR" altLang="en-US" smtClean="0"/>
-              <a:t>2017-10-16</a:t>
+              <a:t>2017-10-18</a:t>
             </a:fld>
             <a:endParaRPr lang="ko-KR" altLang="en-US"/>
           </a:p>
@@ -6096,7 +6096,7 @@
             <a:pPr algn="ctr"/>
             <a:r>
               <a:rPr lang="ko-KR" altLang="en-US" dirty="0"/>
-              <a:t>게임 루트</a:t>
+              <a:t>게임 루프</a:t>
             </a:r>
           </a:p>
         </p:txBody>
@@ -6502,7 +6502,7 @@
         </p:nvSpPr>
         <p:spPr>
           <a:xfrm>
-            <a:off x="1842140" y="1530168"/>
+            <a:off x="2520707" y="1528180"/>
             <a:ext cx="1671128" cy="923330"/>
           </a:xfrm>
           <a:prstGeom prst="rect">
@@ -6668,8 +6668,8 @@
         </p:nvSpPr>
         <p:spPr>
           <a:xfrm rot="16200000">
-            <a:off x="3137601" y="3209934"/>
-            <a:ext cx="369127" cy="628546"/>
+            <a:off x="3069946" y="3277589"/>
+            <a:ext cx="377032" cy="501139"/>
           </a:xfrm>
           <a:prstGeom prst="upDownArrow">
             <a:avLst/>
@@ -6703,6 +6703,72 @@
           </a:p>
         </p:txBody>
       </p:sp>
+      <p:pic>
+        <p:nvPicPr>
+          <p:cNvPr id="5" name="그림 4">
+            <a:extLst>
+              <a:ext uri="{FF2B5EF4-FFF2-40B4-BE49-F238E27FC236}">
+                <a16:creationId xmlns:a16="http://schemas.microsoft.com/office/drawing/2014/main" id="{DFC93560-F7D4-4A87-8CF9-9F62AAFEB1A2}"/>
+              </a:ext>
+            </a:extLst>
+          </p:cNvPr>
+          <p:cNvPicPr>
+            <a:picLocks noChangeAspect="1"/>
+          </p:cNvPicPr>
+          <p:nvPr/>
+        </p:nvPicPr>
+        <p:blipFill>
+          <a:blip r:embed="rId6"/>
+          <a:stretch>
+            <a:fillRect/>
+          </a:stretch>
+        </p:blipFill>
+        <p:spPr>
+          <a:xfrm>
+            <a:off x="3636440" y="3027210"/>
+            <a:ext cx="1087749" cy="886092"/>
+          </a:xfrm>
+          <a:prstGeom prst="rect">
+            <a:avLst/>
+          </a:prstGeom>
+        </p:spPr>
+      </p:pic>
+      <p:pic>
+        <p:nvPicPr>
+          <p:cNvPr id="9" name="그림 8">
+            <a:extLst>
+              <a:ext uri="{FF2B5EF4-FFF2-40B4-BE49-F238E27FC236}">
+                <a16:creationId xmlns:a16="http://schemas.microsoft.com/office/drawing/2014/main" id="{AD1AAF4A-99C5-4025-978A-A0EA8AE74CCA}"/>
+              </a:ext>
+            </a:extLst>
+          </p:cNvPr>
+          <p:cNvPicPr>
+            <a:picLocks noChangeAspect="1"/>
+          </p:cNvPicPr>
+          <p:nvPr/>
+        </p:nvPicPr>
+        <p:blipFill>
+          <a:blip r:embed="rId7" cstate="print">
+            <a:extLst>
+              <a:ext uri="{28A0092B-C50C-407E-A947-70E740481C1C}">
+                <a14:useLocalDpi xmlns:a14="http://schemas.microsoft.com/office/drawing/2010/main" val="0"/>
+              </a:ext>
+            </a:extLst>
+          </a:blip>
+          <a:stretch>
+            <a:fillRect/>
+          </a:stretch>
+        </p:blipFill>
+        <p:spPr>
+          <a:xfrm>
+            <a:off x="5549665" y="3059615"/>
+            <a:ext cx="1218706" cy="945001"/>
+          </a:xfrm>
+          <a:prstGeom prst="rect">
+            <a:avLst/>
+          </a:prstGeom>
+        </p:spPr>
+      </p:pic>
     </p:spTree>
     <p:extLst>
       <p:ext uri="{BB962C8B-B14F-4D97-AF65-F5344CB8AC3E}">

--- a/Project/1차 발표 2016182026 2016182019.pptx
+++ b/Project/1차 발표 2016182026 2016182019.pptx
@@ -9,8 +9,9 @@
     <p:sldId id="259" r:id="rId3"/>
     <p:sldId id="257" r:id="rId4"/>
     <p:sldId id="261" r:id="rId5"/>
-    <p:sldId id="258" r:id="rId6"/>
-    <p:sldId id="262" r:id="rId7"/>
+    <p:sldId id="263" r:id="rId6"/>
+    <p:sldId id="258" r:id="rId7"/>
+    <p:sldId id="262" r:id="rId8"/>
   </p:sldIdLst>
   <p:sldSz cx="9144000" cy="6858000" type="screen4x3"/>
   <p:notesSz cx="6858000" cy="9144000"/>
@@ -111,7 +112,7 @@
   </p:defaultTextStyle>
   <p:extLst>
     <p:ext uri="{EFAFB233-063F-42B5-8137-9DF3F51BA10A}">
-      <p15:sldGuideLst xmlns:p15="http://schemas.microsoft.com/office/powerpoint/2012/main">
+      <p15:sldGuideLst xmlns:p15="http://schemas.microsoft.com/office/powerpoint/2012/main" xmlns="">
         <p15:guide id="1" orient="horz" pos="2160">
           <p15:clr>
             <a:srgbClr val="A4A3A4"/>
@@ -600,7 +601,7 @@
           <a:p>
             <a:fld id="{67B3DFFA-60E7-4C0A-926F-5F5732098047}" type="datetimeFigureOut">
               <a:rPr lang="ko-KR" altLang="en-US" smtClean="0"/>
-              <a:t>2017-10-18</a:t>
+              <a:t>2017-11-22</a:t>
             </a:fld>
             <a:endParaRPr lang="ko-KR" altLang="en-US"/>
           </a:p>
@@ -765,7 +766,7 @@
           <a:p>
             <a:fld id="{67B3DFFA-60E7-4C0A-926F-5F5732098047}" type="datetimeFigureOut">
               <a:rPr lang="ko-KR" altLang="en-US" smtClean="0"/>
-              <a:t>2017-10-18</a:t>
+              <a:t>2017-11-22</a:t>
             </a:fld>
             <a:endParaRPr lang="ko-KR" altLang="en-US"/>
           </a:p>
@@ -940,7 +941,7 @@
           <a:p>
             <a:fld id="{67B3DFFA-60E7-4C0A-926F-5F5732098047}" type="datetimeFigureOut">
               <a:rPr lang="ko-KR" altLang="en-US" smtClean="0"/>
-              <a:t>2017-10-18</a:t>
+              <a:t>2017-11-22</a:t>
             </a:fld>
             <a:endParaRPr lang="ko-KR" altLang="en-US"/>
           </a:p>
@@ -1105,7 +1106,7 @@
           <a:p>
             <a:fld id="{67B3DFFA-60E7-4C0A-926F-5F5732098047}" type="datetimeFigureOut">
               <a:rPr lang="ko-KR" altLang="en-US" smtClean="0"/>
-              <a:t>2017-10-18</a:t>
+              <a:t>2017-11-22</a:t>
             </a:fld>
             <a:endParaRPr lang="ko-KR" altLang="en-US"/>
           </a:p>
@@ -1658,7 +1659,7 @@
           <a:p>
             <a:fld id="{67B3DFFA-60E7-4C0A-926F-5F5732098047}" type="datetimeFigureOut">
               <a:rPr lang="ko-KR" altLang="en-US" smtClean="0"/>
-              <a:t>2017-10-18</a:t>
+              <a:t>2017-11-22</a:t>
             </a:fld>
             <a:endParaRPr lang="ko-KR" altLang="en-US"/>
           </a:p>
@@ -1918,7 +1919,7 @@
           <a:p>
             <a:fld id="{67B3DFFA-60E7-4C0A-926F-5F5732098047}" type="datetimeFigureOut">
               <a:rPr lang="ko-KR" altLang="en-US" smtClean="0"/>
-              <a:t>2017-10-18</a:t>
+              <a:t>2017-11-22</a:t>
             </a:fld>
             <a:endParaRPr lang="ko-KR" altLang="en-US"/>
           </a:p>
@@ -2406,7 +2407,7 @@
           <a:p>
             <a:fld id="{67B3DFFA-60E7-4C0A-926F-5F5732098047}" type="datetimeFigureOut">
               <a:rPr lang="ko-KR" altLang="en-US" smtClean="0"/>
-              <a:t>2017-10-18</a:t>
+              <a:t>2017-11-22</a:t>
             </a:fld>
             <a:endParaRPr lang="ko-KR" altLang="en-US"/>
           </a:p>
@@ -2519,7 +2520,7 @@
           <a:p>
             <a:fld id="{67B3DFFA-60E7-4C0A-926F-5F5732098047}" type="datetimeFigureOut">
               <a:rPr lang="ko-KR" altLang="en-US" smtClean="0"/>
-              <a:t>2017-10-18</a:t>
+              <a:t>2017-11-22</a:t>
             </a:fld>
             <a:endParaRPr lang="ko-KR" altLang="en-US"/>
           </a:p>
@@ -2609,7 +2610,7 @@
           <a:p>
             <a:fld id="{67B3DFFA-60E7-4C0A-926F-5F5732098047}" type="datetimeFigureOut">
               <a:rPr lang="ko-KR" altLang="en-US" smtClean="0"/>
-              <a:t>2017-10-18</a:t>
+              <a:t>2017-11-22</a:t>
             </a:fld>
             <a:endParaRPr lang="ko-KR" altLang="en-US"/>
           </a:p>
@@ -3039,7 +3040,7 @@
           <a:p>
             <a:fld id="{67B3DFFA-60E7-4C0A-926F-5F5732098047}" type="datetimeFigureOut">
               <a:rPr lang="ko-KR" altLang="en-US" smtClean="0"/>
-              <a:t>2017-10-18</a:t>
+              <a:t>2017-11-22</a:t>
             </a:fld>
             <a:endParaRPr lang="ko-KR" altLang="en-US"/>
           </a:p>
@@ -3572,7 +3573,7 @@
           <a:p>
             <a:fld id="{67B3DFFA-60E7-4C0A-926F-5F5732098047}" type="datetimeFigureOut">
               <a:rPr lang="ko-KR" altLang="en-US" smtClean="0"/>
-              <a:t>2017-10-18</a:t>
+              <a:t>2017-11-22</a:t>
             </a:fld>
             <a:endParaRPr lang="ko-KR" altLang="en-US"/>
           </a:p>
@@ -4412,7 +4413,7 @@
           <a:p>
             <a:fld id="{67B3DFFA-60E7-4C0A-926F-5F5732098047}" type="datetimeFigureOut">
               <a:rPr lang="ko-KR" altLang="en-US" smtClean="0"/>
-              <a:t>2017-10-18</a:t>
+              <a:t>2017-11-22</a:t>
             </a:fld>
             <a:endParaRPr lang="ko-KR" altLang="en-US"/>
           </a:p>
@@ -4814,7 +4815,7 @@
           <p:cNvPr id="3" name="그림 2">
             <a:extLst>
               <a:ext uri="{FF2B5EF4-FFF2-40B4-BE49-F238E27FC236}">
-                <a16:creationId xmlns:a16="http://schemas.microsoft.com/office/drawing/2014/main" id="{10CA77C8-CE45-4E81-BB4F-538296EE3E10}"/>
+                <a16:creationId xmlns:a16="http://schemas.microsoft.com/office/drawing/2014/main" xmlns="" id="{10CA77C8-CE45-4E81-BB4F-538296EE3E10}"/>
               </a:ext>
             </a:extLst>
           </p:cNvPr>
@@ -4965,7 +4966,7 @@
           <p:cNvPr id="7" name="표 6">
             <a:extLst>
               <a:ext uri="{FF2B5EF4-FFF2-40B4-BE49-F238E27FC236}">
-                <a16:creationId xmlns:a16="http://schemas.microsoft.com/office/drawing/2014/main" id="{65905E8F-9088-4182-A84A-3BC97EABC163}"/>
+                <a16:creationId xmlns:a16="http://schemas.microsoft.com/office/drawing/2014/main" xmlns="" id="{65905E8F-9088-4182-A84A-3BC97EABC163}"/>
               </a:ext>
             </a:extLst>
           </p:cNvPr>
@@ -4994,21 +4995,21 @@
                 <a:gridCol w="971600">
                   <a:extLst>
                     <a:ext uri="{9D8B030D-6E8A-4147-A177-3AD203B41FA5}">
-                      <a16:colId xmlns:a16="http://schemas.microsoft.com/office/drawing/2014/main" val="3307909016"/>
+                      <a16:colId xmlns:a16="http://schemas.microsoft.com/office/drawing/2014/main" xmlns="" val="3307909016"/>
                     </a:ext>
                   </a:extLst>
                 </a:gridCol>
                 <a:gridCol w="2808312">
                   <a:extLst>
                     <a:ext uri="{9D8B030D-6E8A-4147-A177-3AD203B41FA5}">
-                      <a16:colId xmlns:a16="http://schemas.microsoft.com/office/drawing/2014/main" val="2847032286"/>
+                      <a16:colId xmlns:a16="http://schemas.microsoft.com/office/drawing/2014/main" xmlns="" val="2847032286"/>
                     </a:ext>
                   </a:extLst>
                 </a:gridCol>
                 <a:gridCol w="5364088">
                   <a:extLst>
                     <a:ext uri="{9D8B030D-6E8A-4147-A177-3AD203B41FA5}">
-                      <a16:colId xmlns:a16="http://schemas.microsoft.com/office/drawing/2014/main" val="658895571"/>
+                      <a16:colId xmlns:a16="http://schemas.microsoft.com/office/drawing/2014/main" xmlns="" val="658895571"/>
                     </a:ext>
                   </a:extLst>
                 </a:gridCol>
@@ -5075,7 +5076,7 @@
                 </a:tc>
                 <a:extLst>
                   <a:ext uri="{0D108BD9-81ED-4DB2-BD59-A6C34878D82A}">
-                    <a16:rowId xmlns:a16="http://schemas.microsoft.com/office/drawing/2014/main" val="597353897"/>
+                    <a16:rowId xmlns:a16="http://schemas.microsoft.com/office/drawing/2014/main" xmlns="" val="597353897"/>
                   </a:ext>
                 </a:extLst>
               </a:tr>
@@ -5134,7 +5135,7 @@
                 </a:tc>
                 <a:extLst>
                   <a:ext uri="{0D108BD9-81ED-4DB2-BD59-A6C34878D82A}">
-                    <a16:rowId xmlns:a16="http://schemas.microsoft.com/office/drawing/2014/main" val="3496699739"/>
+                    <a16:rowId xmlns:a16="http://schemas.microsoft.com/office/drawing/2014/main" xmlns="" val="3496699739"/>
                   </a:ext>
                 </a:extLst>
               </a:tr>
@@ -5188,7 +5189,7 @@
                 </a:tc>
                 <a:extLst>
                   <a:ext uri="{0D108BD9-81ED-4DB2-BD59-A6C34878D82A}">
-                    <a16:rowId xmlns:a16="http://schemas.microsoft.com/office/drawing/2014/main" val="3418962454"/>
+                    <a16:rowId xmlns:a16="http://schemas.microsoft.com/office/drawing/2014/main" xmlns="" val="3418962454"/>
                   </a:ext>
                 </a:extLst>
               </a:tr>
@@ -5271,7 +5272,7 @@
                 </a:tc>
                 <a:extLst>
                   <a:ext uri="{0D108BD9-81ED-4DB2-BD59-A6C34878D82A}">
-                    <a16:rowId xmlns:a16="http://schemas.microsoft.com/office/drawing/2014/main" val="3684504321"/>
+                    <a16:rowId xmlns:a16="http://schemas.microsoft.com/office/drawing/2014/main" xmlns="" val="3684504321"/>
                   </a:ext>
                 </a:extLst>
               </a:tr>
@@ -5374,7 +5375,7 @@
                 </a:tc>
                 <a:extLst>
                   <a:ext uri="{0D108BD9-81ED-4DB2-BD59-A6C34878D82A}">
-                    <a16:rowId xmlns:a16="http://schemas.microsoft.com/office/drawing/2014/main" val="2998062686"/>
+                    <a16:rowId xmlns:a16="http://schemas.microsoft.com/office/drawing/2014/main" xmlns="" val="2998062686"/>
                   </a:ext>
                 </a:extLst>
               </a:tr>
@@ -5432,7 +5433,7 @@
                 </a:tc>
                 <a:extLst>
                   <a:ext uri="{0D108BD9-81ED-4DB2-BD59-A6C34878D82A}">
-                    <a16:rowId xmlns:a16="http://schemas.microsoft.com/office/drawing/2014/main" val="1871528392"/>
+                    <a16:rowId xmlns:a16="http://schemas.microsoft.com/office/drawing/2014/main" xmlns="" val="1871528392"/>
                   </a:ext>
                 </a:extLst>
               </a:tr>
@@ -5490,7 +5491,7 @@
                 </a:tc>
                 <a:extLst>
                   <a:ext uri="{0D108BD9-81ED-4DB2-BD59-A6C34878D82A}">
-                    <a16:rowId xmlns:a16="http://schemas.microsoft.com/office/drawing/2014/main" val="745863344"/>
+                    <a16:rowId xmlns:a16="http://schemas.microsoft.com/office/drawing/2014/main" xmlns="" val="745863344"/>
                   </a:ext>
                 </a:extLst>
               </a:tr>
@@ -5565,7 +5566,7 @@
                 </a:tc>
                 <a:extLst>
                   <a:ext uri="{0D108BD9-81ED-4DB2-BD59-A6C34878D82A}">
-                    <a16:rowId xmlns:a16="http://schemas.microsoft.com/office/drawing/2014/main" val="2929416796"/>
+                    <a16:rowId xmlns:a16="http://schemas.microsoft.com/office/drawing/2014/main" xmlns="" val="2929416796"/>
                   </a:ext>
                 </a:extLst>
               </a:tr>
@@ -5619,7 +5620,7 @@
                 </a:tc>
                 <a:extLst>
                   <a:ext uri="{0D108BD9-81ED-4DB2-BD59-A6C34878D82A}">
-                    <a16:rowId xmlns:a16="http://schemas.microsoft.com/office/drawing/2014/main" val="2936838617"/>
+                    <a16:rowId xmlns:a16="http://schemas.microsoft.com/office/drawing/2014/main" xmlns="" val="2936838617"/>
                   </a:ext>
                 </a:extLst>
               </a:tr>
@@ -5662,7 +5663,7 @@
           <p:cNvPr id="3" name="그림 2">
             <a:extLst>
               <a:ext uri="{FF2B5EF4-FFF2-40B4-BE49-F238E27FC236}">
-                <a16:creationId xmlns:a16="http://schemas.microsoft.com/office/drawing/2014/main" id="{F67A224B-4EB7-4D4A-A83F-EA9DC06024BF}"/>
+                <a16:creationId xmlns:a16="http://schemas.microsoft.com/office/drawing/2014/main" xmlns="" id="{F67A224B-4EB7-4D4A-A83F-EA9DC06024BF}"/>
               </a:ext>
             </a:extLst>
           </p:cNvPr>
@@ -5692,7 +5693,7 @@
           <p:cNvPr id="5" name="TextBox 4">
             <a:extLst>
               <a:ext uri="{FF2B5EF4-FFF2-40B4-BE49-F238E27FC236}">
-                <a16:creationId xmlns:a16="http://schemas.microsoft.com/office/drawing/2014/main" id="{2E072D58-0CBF-427B-8675-F87C64BAEC87}"/>
+                <a16:creationId xmlns:a16="http://schemas.microsoft.com/office/drawing/2014/main" xmlns="" id="{2E072D58-0CBF-427B-8675-F87C64BAEC87}"/>
               </a:ext>
             </a:extLst>
           </p:cNvPr>
@@ -5735,7 +5736,7 @@
           <p:cNvPr id="6" name="그림 5">
             <a:extLst>
               <a:ext uri="{FF2B5EF4-FFF2-40B4-BE49-F238E27FC236}">
-                <a16:creationId xmlns:a16="http://schemas.microsoft.com/office/drawing/2014/main" id="{7DD1405F-5D39-479D-9E5F-27E203FADD46}"/>
+                <a16:creationId xmlns:a16="http://schemas.microsoft.com/office/drawing/2014/main" xmlns="" id="{7DD1405F-5D39-479D-9E5F-27E203FADD46}"/>
               </a:ext>
             </a:extLst>
           </p:cNvPr>
@@ -5765,7 +5766,7 @@
           <p:cNvPr id="7" name="TextBox 6">
             <a:extLst>
               <a:ext uri="{FF2B5EF4-FFF2-40B4-BE49-F238E27FC236}">
-                <a16:creationId xmlns:a16="http://schemas.microsoft.com/office/drawing/2014/main" id="{877A8152-2108-49ED-8AB2-4008FA74AEDC}"/>
+                <a16:creationId xmlns:a16="http://schemas.microsoft.com/office/drawing/2014/main" xmlns="" id="{877A8152-2108-49ED-8AB2-4008FA74AEDC}"/>
               </a:ext>
             </a:extLst>
           </p:cNvPr>
@@ -5805,7 +5806,7 @@
           <p:cNvPr id="8" name="그림 7">
             <a:extLst>
               <a:ext uri="{FF2B5EF4-FFF2-40B4-BE49-F238E27FC236}">
-                <a16:creationId xmlns:a16="http://schemas.microsoft.com/office/drawing/2014/main" id="{20A45108-3500-4ECA-AD04-FBBF653B1022}"/>
+                <a16:creationId xmlns:a16="http://schemas.microsoft.com/office/drawing/2014/main" xmlns="" id="{20A45108-3500-4ECA-AD04-FBBF653B1022}"/>
               </a:ext>
             </a:extLst>
           </p:cNvPr>
@@ -5835,7 +5836,7 @@
           <p:cNvPr id="9" name="TextBox 8">
             <a:extLst>
               <a:ext uri="{FF2B5EF4-FFF2-40B4-BE49-F238E27FC236}">
-                <a16:creationId xmlns:a16="http://schemas.microsoft.com/office/drawing/2014/main" id="{E2C939FC-CFE1-4352-999B-E5446D50B2CF}"/>
+                <a16:creationId xmlns:a16="http://schemas.microsoft.com/office/drawing/2014/main" xmlns="" id="{E2C939FC-CFE1-4352-999B-E5446D50B2CF}"/>
               </a:ext>
             </a:extLst>
           </p:cNvPr>
@@ -5875,7 +5876,7 @@
           <p:cNvPr id="13" name="그림 12">
             <a:extLst>
               <a:ext uri="{FF2B5EF4-FFF2-40B4-BE49-F238E27FC236}">
-                <a16:creationId xmlns:a16="http://schemas.microsoft.com/office/drawing/2014/main" id="{4B4679AE-A83F-4BC5-9182-4D9F165E3CF2}"/>
+                <a16:creationId xmlns:a16="http://schemas.microsoft.com/office/drawing/2014/main" xmlns="" id="{4B4679AE-A83F-4BC5-9182-4D9F165E3CF2}"/>
               </a:ext>
             </a:extLst>
           </p:cNvPr>
@@ -5905,7 +5906,7 @@
           <p:cNvPr id="14" name="TextBox 13">
             <a:extLst>
               <a:ext uri="{FF2B5EF4-FFF2-40B4-BE49-F238E27FC236}">
-                <a16:creationId xmlns:a16="http://schemas.microsoft.com/office/drawing/2014/main" id="{F7909166-EAE1-466E-9F6A-6181140F7830}"/>
+                <a16:creationId xmlns:a16="http://schemas.microsoft.com/office/drawing/2014/main" xmlns="" id="{F7909166-EAE1-466E-9F6A-6181140F7830}"/>
               </a:ext>
             </a:extLst>
           </p:cNvPr>
@@ -5936,6 +5937,123 @@
               <a:rPr lang="ko-KR" altLang="en-US" dirty="0"/>
               <a:t>리듬세상</a:t>
             </a:r>
+          </a:p>
+        </p:txBody>
+      </p:sp>
+      <p:sp>
+        <p:nvSpPr>
+          <p:cNvPr id="2" name="AutoShape 2" descr="네크로댄서에 대한 이미지 검색결과"/>
+          <p:cNvSpPr>
+            <a:spLocks noChangeAspect="1" noChangeArrowheads="1"/>
+          </p:cNvSpPr>
+          <p:nvPr/>
+        </p:nvSpPr>
+        <p:spPr bwMode="auto">
+          <a:xfrm>
+            <a:off x="0" y="-144463"/>
+            <a:ext cx="304800" cy="304801"/>
+          </a:xfrm>
+          <a:prstGeom prst="rect">
+            <a:avLst/>
+          </a:prstGeom>
+          <a:noFill/>
+          <a:extLst>
+            <a:ext uri="{909E8E84-426E-40DD-AFC4-6F175D3DCCD1}">
+              <a14:hiddenFill xmlns:a14="http://schemas.microsoft.com/office/drawing/2010/main">
+                <a:solidFill>
+                  <a:srgbClr val="FFFFFF"/>
+                </a:solidFill>
+              </a14:hiddenFill>
+            </a:ext>
+          </a:extLst>
+        </p:spPr>
+        <p:txBody>
+          <a:bodyPr vert="horz" wrap="square" lIns="91440" tIns="45720" rIns="91440" bIns="45720" numCol="1" anchor="t" anchorCtr="0" compatLnSpc="1">
+            <a:prstTxWarp prst="textNoShape">
+              <a:avLst/>
+            </a:prstTxWarp>
+          </a:bodyPr>
+          <a:lstStyle/>
+          <a:p>
+            <a:endParaRPr lang="ko-KR" altLang="en-US"/>
+          </a:p>
+        </p:txBody>
+      </p:sp>
+      <p:sp>
+        <p:nvSpPr>
+          <p:cNvPr id="4" name="AutoShape 4" descr="네크로댄서에 대한 이미지 검색결과"/>
+          <p:cNvSpPr>
+            <a:spLocks noChangeAspect="1" noChangeArrowheads="1"/>
+          </p:cNvSpPr>
+          <p:nvPr/>
+        </p:nvSpPr>
+        <p:spPr bwMode="auto">
+          <a:xfrm>
+            <a:off x="152400" y="7937"/>
+            <a:ext cx="304800" cy="304801"/>
+          </a:xfrm>
+          <a:prstGeom prst="rect">
+            <a:avLst/>
+          </a:prstGeom>
+          <a:noFill/>
+          <a:extLst>
+            <a:ext uri="{909E8E84-426E-40DD-AFC4-6F175D3DCCD1}">
+              <a14:hiddenFill xmlns:a14="http://schemas.microsoft.com/office/drawing/2010/main">
+                <a:solidFill>
+                  <a:srgbClr val="FFFFFF"/>
+                </a:solidFill>
+              </a14:hiddenFill>
+            </a:ext>
+          </a:extLst>
+        </p:spPr>
+        <p:txBody>
+          <a:bodyPr vert="horz" wrap="square" lIns="91440" tIns="45720" rIns="91440" bIns="45720" numCol="1" anchor="t" anchorCtr="0" compatLnSpc="1">
+            <a:prstTxWarp prst="textNoShape">
+              <a:avLst/>
+            </a:prstTxWarp>
+          </a:bodyPr>
+          <a:lstStyle/>
+          <a:p>
+            <a:endParaRPr lang="ko-KR" altLang="en-US"/>
+          </a:p>
+        </p:txBody>
+      </p:sp>
+      <p:sp>
+        <p:nvSpPr>
+          <p:cNvPr id="10" name="AutoShape 6" descr="네크로댄서에 대한 이미지 검색결과"/>
+          <p:cNvSpPr>
+            <a:spLocks noChangeAspect="1" noChangeArrowheads="1"/>
+          </p:cNvSpPr>
+          <p:nvPr/>
+        </p:nvSpPr>
+        <p:spPr bwMode="auto">
+          <a:xfrm>
+            <a:off x="304800" y="160337"/>
+            <a:ext cx="304800" cy="304801"/>
+          </a:xfrm>
+          <a:prstGeom prst="rect">
+            <a:avLst/>
+          </a:prstGeom>
+          <a:noFill/>
+          <a:extLst>
+            <a:ext uri="{909E8E84-426E-40DD-AFC4-6F175D3DCCD1}">
+              <a14:hiddenFill xmlns:a14="http://schemas.microsoft.com/office/drawing/2010/main">
+                <a:solidFill>
+                  <a:srgbClr val="FFFFFF"/>
+                </a:solidFill>
+              </a14:hiddenFill>
+            </a:ext>
+          </a:extLst>
+        </p:spPr>
+        <p:txBody>
+          <a:bodyPr vert="horz" wrap="square" lIns="91440" tIns="45720" rIns="91440" bIns="45720" numCol="1" anchor="t" anchorCtr="0" compatLnSpc="1">
+            <a:prstTxWarp prst="textNoShape">
+              <a:avLst/>
+            </a:prstTxWarp>
+          </a:bodyPr>
+          <a:lstStyle/>
+          <a:p>
+            <a:endParaRPr lang="ko-KR" altLang="en-US"/>
           </a:p>
         </p:txBody>
       </p:sp>
@@ -5971,10 +6089,10 @@
       </p:grpSpPr>
       <p:pic>
         <p:nvPicPr>
-          <p:cNvPr id="4" name="그림 3">
+          <p:cNvPr id="7" name="그림 6">
             <a:extLst>
               <a:ext uri="{FF2B5EF4-FFF2-40B4-BE49-F238E27FC236}">
-                <a16:creationId xmlns:a16="http://schemas.microsoft.com/office/drawing/2014/main" id="{C0DE8637-7C15-4FFA-9745-4294A974B5A7}"/>
+                <a16:creationId xmlns:a16="http://schemas.microsoft.com/office/drawing/2014/main" xmlns="" id="{0F468EAD-BAA5-4004-951E-42AD84952761}"/>
               </a:ext>
             </a:extLst>
           </p:cNvPr>
@@ -5991,36 +6109,6 @@
         </p:blipFill>
         <p:spPr>
           <a:xfrm>
-            <a:off x="4636502" y="1142430"/>
-            <a:ext cx="1260000" cy="945001"/>
-          </a:xfrm>
-          <a:prstGeom prst="rect">
-            <a:avLst/>
-          </a:prstGeom>
-        </p:spPr>
-      </p:pic>
-      <p:pic>
-        <p:nvPicPr>
-          <p:cNvPr id="7" name="그림 6">
-            <a:extLst>
-              <a:ext uri="{FF2B5EF4-FFF2-40B4-BE49-F238E27FC236}">
-                <a16:creationId xmlns:a16="http://schemas.microsoft.com/office/drawing/2014/main" id="{0F468EAD-BAA5-4004-951E-42AD84952761}"/>
-              </a:ext>
-            </a:extLst>
-          </p:cNvPr>
-          <p:cNvPicPr>
-            <a:picLocks noChangeAspect="1"/>
-          </p:cNvPicPr>
-          <p:nvPr/>
-        </p:nvPicPr>
-        <p:blipFill>
-          <a:blip r:embed="rId3"/>
-          <a:stretch>
-            <a:fillRect/>
-          </a:stretch>
-        </p:blipFill>
-        <p:spPr>
-          <a:xfrm>
             <a:off x="7524326" y="3059615"/>
             <a:ext cx="1260000" cy="945001"/>
           </a:xfrm>
@@ -6034,7 +6122,7 @@
           <p:cNvPr id="8" name="TextBox 7">
             <a:extLst>
               <a:ext uri="{FF2B5EF4-FFF2-40B4-BE49-F238E27FC236}">
-                <a16:creationId xmlns:a16="http://schemas.microsoft.com/office/drawing/2014/main" id="{38EED735-AF45-476E-B2BC-40DB028E6F91}"/>
+                <a16:creationId xmlns:a16="http://schemas.microsoft.com/office/drawing/2014/main" xmlns="" id="{38EED735-AF45-476E-B2BC-40DB028E6F91}"/>
               </a:ext>
             </a:extLst>
           </p:cNvPr>
@@ -6070,7 +6158,7 @@
           <p:cNvPr id="10" name="TextBox 9">
             <a:extLst>
               <a:ext uri="{FF2B5EF4-FFF2-40B4-BE49-F238E27FC236}">
-                <a16:creationId xmlns:a16="http://schemas.microsoft.com/office/drawing/2014/main" id="{A07BB613-39A4-4629-9969-26C28067164C}"/>
+                <a16:creationId xmlns:a16="http://schemas.microsoft.com/office/drawing/2014/main" xmlns="" id="{A07BB613-39A4-4629-9969-26C28067164C}"/>
               </a:ext>
             </a:extLst>
           </p:cNvPr>
@@ -6106,7 +6194,7 @@
           <p:cNvPr id="11" name="TextBox 10">
             <a:extLst>
               <a:ext uri="{FF2B5EF4-FFF2-40B4-BE49-F238E27FC236}">
-                <a16:creationId xmlns:a16="http://schemas.microsoft.com/office/drawing/2014/main" id="{717B1C92-9712-4A5E-AC75-BD410E120D06}"/>
+                <a16:creationId xmlns:a16="http://schemas.microsoft.com/office/drawing/2014/main" xmlns="" id="{717B1C92-9712-4A5E-AC75-BD410E120D06}"/>
               </a:ext>
             </a:extLst>
           </p:cNvPr>
@@ -6143,7 +6231,7 @@
           <p:cNvPr id="12" name="화살표: 오른쪽 11">
             <a:extLst>
               <a:ext uri="{FF2B5EF4-FFF2-40B4-BE49-F238E27FC236}">
-                <a16:creationId xmlns:a16="http://schemas.microsoft.com/office/drawing/2014/main" id="{1F5F7DDF-9834-48DB-B677-8B798592453D}"/>
+                <a16:creationId xmlns:a16="http://schemas.microsoft.com/office/drawing/2014/main" xmlns="" id="{1F5F7DDF-9834-48DB-B677-8B798592453D}"/>
               </a:ext>
             </a:extLst>
           </p:cNvPr>
@@ -6195,7 +6283,7 @@
           <p:cNvPr id="13" name="화살표: 위쪽/아래쪽 12">
             <a:extLst>
               <a:ext uri="{FF2B5EF4-FFF2-40B4-BE49-F238E27FC236}">
-                <a16:creationId xmlns:a16="http://schemas.microsoft.com/office/drawing/2014/main" id="{1F7D0073-B591-4CD4-A3D8-9541D06FE3E9}"/>
+                <a16:creationId xmlns:a16="http://schemas.microsoft.com/office/drawing/2014/main" xmlns="" id="{1F7D0073-B591-4CD4-A3D8-9541D06FE3E9}"/>
               </a:ext>
             </a:extLst>
           </p:cNvPr>
@@ -6244,7 +6332,7 @@
           <p:cNvPr id="14" name="TextBox 13">
             <a:extLst>
               <a:ext uri="{FF2B5EF4-FFF2-40B4-BE49-F238E27FC236}">
-                <a16:creationId xmlns:a16="http://schemas.microsoft.com/office/drawing/2014/main" id="{BABC67C6-DE75-45D4-943F-09882B9CA45B}"/>
+                <a16:creationId xmlns:a16="http://schemas.microsoft.com/office/drawing/2014/main" xmlns="" id="{BABC67C6-DE75-45D4-943F-09882B9CA45B}"/>
               </a:ext>
             </a:extLst>
           </p:cNvPr>
@@ -6280,7 +6368,7 @@
           <p:cNvPr id="2" name="그림 1">
             <a:extLst>
               <a:ext uri="{FF2B5EF4-FFF2-40B4-BE49-F238E27FC236}">
-                <a16:creationId xmlns:a16="http://schemas.microsoft.com/office/drawing/2014/main" id="{E9592BAF-36EE-41B7-BA21-D71783E6743C}"/>
+                <a16:creationId xmlns:a16="http://schemas.microsoft.com/office/drawing/2014/main" xmlns="" id="{E9592BAF-36EE-41B7-BA21-D71783E6743C}"/>
               </a:ext>
             </a:extLst>
           </p:cNvPr>
@@ -6290,7 +6378,7 @@
           <p:nvPr/>
         </p:nvPicPr>
         <p:blipFill>
-          <a:blip r:embed="rId4"/>
+          <a:blip r:embed="rId3"/>
           <a:stretch>
             <a:fillRect/>
           </a:stretch>
@@ -6310,7 +6398,7 @@
           <p:cNvPr id="16" name="화살표: 위쪽/아래쪽 15">
             <a:extLst>
               <a:ext uri="{FF2B5EF4-FFF2-40B4-BE49-F238E27FC236}">
-                <a16:creationId xmlns:a16="http://schemas.microsoft.com/office/drawing/2014/main" id="{078E1E03-74D9-4430-9677-2C3BB4336C91}"/>
+                <a16:creationId xmlns:a16="http://schemas.microsoft.com/office/drawing/2014/main" xmlns="" id="{078E1E03-74D9-4430-9677-2C3BB4336C91}"/>
               </a:ext>
             </a:extLst>
           </p:cNvPr>
@@ -6359,7 +6447,7 @@
           <p:cNvPr id="18" name="화살표: 위쪽/아래쪽 17">
             <a:extLst>
               <a:ext uri="{FF2B5EF4-FFF2-40B4-BE49-F238E27FC236}">
-                <a16:creationId xmlns:a16="http://schemas.microsoft.com/office/drawing/2014/main" id="{AC1CBF02-9BF5-4998-B712-B05DBCB10DE1}"/>
+                <a16:creationId xmlns:a16="http://schemas.microsoft.com/office/drawing/2014/main" xmlns="" id="{AC1CBF02-9BF5-4998-B712-B05DBCB10DE1}"/>
               </a:ext>
             </a:extLst>
           </p:cNvPr>
@@ -6408,7 +6496,7 @@
           <p:cNvPr id="19" name="TextBox 18">
             <a:extLst>
               <a:ext uri="{FF2B5EF4-FFF2-40B4-BE49-F238E27FC236}">
-                <a16:creationId xmlns:a16="http://schemas.microsoft.com/office/drawing/2014/main" id="{7D680E1A-3306-42C4-8DC0-3F57ABDD5599}"/>
+                <a16:creationId xmlns:a16="http://schemas.microsoft.com/office/drawing/2014/main" xmlns="" id="{7D680E1A-3306-42C4-8DC0-3F57ABDD5599}"/>
               </a:ext>
             </a:extLst>
           </p:cNvPr>
@@ -6444,7 +6532,7 @@
           <p:cNvPr id="20" name="화살표: 위쪽/아래쪽 19">
             <a:extLst>
               <a:ext uri="{FF2B5EF4-FFF2-40B4-BE49-F238E27FC236}">
-                <a16:creationId xmlns:a16="http://schemas.microsoft.com/office/drawing/2014/main" id="{7ECA06C0-5EA2-4E6B-817D-811EED01082E}"/>
+                <a16:creationId xmlns:a16="http://schemas.microsoft.com/office/drawing/2014/main" xmlns="" id="{7ECA06C0-5EA2-4E6B-817D-811EED01082E}"/>
               </a:ext>
             </a:extLst>
           </p:cNvPr>
@@ -6493,7 +6581,7 @@
           <p:cNvPr id="21" name="TextBox 20">
             <a:extLst>
               <a:ext uri="{FF2B5EF4-FFF2-40B4-BE49-F238E27FC236}">
-                <a16:creationId xmlns:a16="http://schemas.microsoft.com/office/drawing/2014/main" id="{F574CFEA-90BC-4951-BE0F-FF9F2A8FB669}"/>
+                <a16:creationId xmlns:a16="http://schemas.microsoft.com/office/drawing/2014/main" xmlns="" id="{F574CFEA-90BC-4951-BE0F-FF9F2A8FB669}"/>
               </a:ext>
             </a:extLst>
           </p:cNvPr>
@@ -6545,7 +6633,7 @@
           <p:cNvPr id="22" name="TextBox 21">
             <a:extLst>
               <a:ext uri="{FF2B5EF4-FFF2-40B4-BE49-F238E27FC236}">
-                <a16:creationId xmlns:a16="http://schemas.microsoft.com/office/drawing/2014/main" id="{2616F560-4A59-4678-B699-6A16B033699C}"/>
+                <a16:creationId xmlns:a16="http://schemas.microsoft.com/office/drawing/2014/main" xmlns="" id="{2616F560-4A59-4678-B699-6A16B033699C}"/>
               </a:ext>
             </a:extLst>
           </p:cNvPr>
@@ -6593,7 +6681,7 @@
           <p:cNvPr id="3" name="그림 2">
             <a:extLst>
               <a:ext uri="{FF2B5EF4-FFF2-40B4-BE49-F238E27FC236}">
-                <a16:creationId xmlns:a16="http://schemas.microsoft.com/office/drawing/2014/main" id="{9406F474-4DF7-4E1D-AD9F-ED4C6246D233}"/>
+                <a16:creationId xmlns:a16="http://schemas.microsoft.com/office/drawing/2014/main" xmlns="" id="{9406F474-4DF7-4E1D-AD9F-ED4C6246D233}"/>
               </a:ext>
             </a:extLst>
           </p:cNvPr>
@@ -6603,7 +6691,7 @@
           <p:nvPr/>
         </p:nvPicPr>
         <p:blipFill>
-          <a:blip r:embed="rId5"/>
+          <a:blip r:embed="rId4"/>
           <a:stretch>
             <a:fillRect/>
           </a:stretch>
@@ -6623,7 +6711,7 @@
           <p:cNvPr id="25" name="TextBox 24">
             <a:extLst>
               <a:ext uri="{FF2B5EF4-FFF2-40B4-BE49-F238E27FC236}">
-                <a16:creationId xmlns:a16="http://schemas.microsoft.com/office/drawing/2014/main" id="{C8B30572-E7E4-462A-A7B3-2C6C7C93B753}"/>
+                <a16:creationId xmlns:a16="http://schemas.microsoft.com/office/drawing/2014/main" xmlns="" id="{C8B30572-E7E4-462A-A7B3-2C6C7C93B753}"/>
               </a:ext>
             </a:extLst>
           </p:cNvPr>
@@ -6659,7 +6747,7 @@
           <p:cNvPr id="26" name="화살표: 위쪽/아래쪽 25">
             <a:extLst>
               <a:ext uri="{FF2B5EF4-FFF2-40B4-BE49-F238E27FC236}">
-                <a16:creationId xmlns:a16="http://schemas.microsoft.com/office/drawing/2014/main" id="{0891DAC8-C790-4300-8607-9AE515E48779}"/>
+                <a16:creationId xmlns:a16="http://schemas.microsoft.com/office/drawing/2014/main" xmlns="" id="{0891DAC8-C790-4300-8607-9AE515E48779}"/>
               </a:ext>
             </a:extLst>
           </p:cNvPr>
@@ -6708,7 +6796,7 @@
           <p:cNvPr id="5" name="그림 4">
             <a:extLst>
               <a:ext uri="{FF2B5EF4-FFF2-40B4-BE49-F238E27FC236}">
-                <a16:creationId xmlns:a16="http://schemas.microsoft.com/office/drawing/2014/main" id="{DFC93560-F7D4-4A87-8CF9-9F62AAFEB1A2}"/>
+                <a16:creationId xmlns:a16="http://schemas.microsoft.com/office/drawing/2014/main" xmlns="" id="{DFC93560-F7D4-4A87-8CF9-9F62AAFEB1A2}"/>
               </a:ext>
             </a:extLst>
           </p:cNvPr>
@@ -6718,7 +6806,7 @@
           <p:nvPr/>
         </p:nvPicPr>
         <p:blipFill>
-          <a:blip r:embed="rId6"/>
+          <a:blip r:embed="rId5"/>
           <a:stretch>
             <a:fillRect/>
           </a:stretch>
@@ -6738,7 +6826,7 @@
           <p:cNvPr id="9" name="그림 8">
             <a:extLst>
               <a:ext uri="{FF2B5EF4-FFF2-40B4-BE49-F238E27FC236}">
-                <a16:creationId xmlns:a16="http://schemas.microsoft.com/office/drawing/2014/main" id="{AD1AAF4A-99C5-4025-978A-A0EA8AE74CCA}"/>
+                <a16:creationId xmlns:a16="http://schemas.microsoft.com/office/drawing/2014/main" xmlns="" id="{AD1AAF4A-99C5-4025-978A-A0EA8AE74CCA}"/>
               </a:ext>
             </a:extLst>
           </p:cNvPr>
@@ -6748,7 +6836,7 @@
           <p:nvPr/>
         </p:nvPicPr>
         <p:blipFill>
-          <a:blip r:embed="rId7" cstate="print">
+          <a:blip r:embed="rId6" cstate="print">
             <a:extLst>
               <a:ext uri="{28A0092B-C50C-407E-A947-70E740481C1C}">
                 <a14:useLocalDpi xmlns:a14="http://schemas.microsoft.com/office/drawing/2010/main" val="0"/>
@@ -6767,6 +6855,60 @@
           <a:prstGeom prst="rect">
             <a:avLst/>
           </a:prstGeom>
+        </p:spPr>
+      </p:pic>
+      <p:pic>
+        <p:nvPicPr>
+          <p:cNvPr id="1026" name="Picture 2"/>
+          <p:cNvPicPr>
+            <a:picLocks noChangeAspect="1" noChangeArrowheads="1"/>
+          </p:cNvPicPr>
+          <p:nvPr/>
+        </p:nvPicPr>
+        <p:blipFill>
+          <a:blip r:embed="rId7" cstate="print">
+            <a:extLst>
+              <a:ext uri="{28A0092B-C50C-407E-A947-70E740481C1C}">
+                <a14:useLocalDpi xmlns:a14="http://schemas.microsoft.com/office/drawing/2010/main" val="0"/>
+              </a:ext>
+            </a:extLst>
+          </a:blip>
+          <a:srcRect/>
+          <a:stretch>
+            <a:fillRect/>
+          </a:stretch>
+        </p:blipFill>
+        <p:spPr bwMode="auto">
+          <a:xfrm>
+            <a:off x="4379637" y="884737"/>
+            <a:ext cx="1619912" cy="1202694"/>
+          </a:xfrm>
+          <a:prstGeom prst="rect">
+            <a:avLst/>
+          </a:prstGeom>
+          <a:noFill/>
+          <a:ln>
+            <a:noFill/>
+          </a:ln>
+          <a:extLst>
+            <a:ext uri="{909E8E84-426E-40DD-AFC4-6F175D3DCCD1}">
+              <a14:hiddenFill xmlns:a14="http://schemas.microsoft.com/office/drawing/2010/main">
+                <a:solidFill>
+                  <a:schemeClr val="accent1"/>
+                </a:solidFill>
+              </a14:hiddenFill>
+            </a:ext>
+            <a:ext uri="{91240B29-F687-4F45-9708-019B960494DF}">
+              <a14:hiddenLine xmlns:a14="http://schemas.microsoft.com/office/drawing/2010/main" w="9525">
+                <a:solidFill>
+                  <a:schemeClr val="tx1"/>
+                </a:solidFill>
+                <a:miter lim="800000"/>
+                <a:headEnd/>
+                <a:tailEnd/>
+              </a14:hiddenLine>
+            </a:ext>
+          </a:extLst>
         </p:spPr>
       </p:pic>
     </p:spTree>
@@ -6799,12 +6941,508 @@
           <a:chExt cx="0" cy="0"/>
         </a:xfrm>
       </p:grpSpPr>
+      <p:pic>
+        <p:nvPicPr>
+          <p:cNvPr id="4" name="그림 3"/>
+          <p:cNvPicPr>
+            <a:picLocks noChangeAspect="1"/>
+          </p:cNvPicPr>
+          <p:nvPr/>
+        </p:nvPicPr>
+        <p:blipFill>
+          <a:blip r:embed="rId2">
+            <a:extLst>
+              <a:ext uri="{28A0092B-C50C-407E-A947-70E740481C1C}">
+                <a14:useLocalDpi xmlns:a14="http://schemas.microsoft.com/office/drawing/2010/main" val="0"/>
+              </a:ext>
+            </a:extLst>
+          </a:blip>
+          <a:stretch>
+            <a:fillRect/>
+          </a:stretch>
+        </p:blipFill>
+        <p:spPr>
+          <a:xfrm>
+            <a:off x="611561" y="3429000"/>
+            <a:ext cx="2747867" cy="1368152"/>
+          </a:xfrm>
+          <a:prstGeom prst="rect">
+            <a:avLst/>
+          </a:prstGeom>
+        </p:spPr>
+      </p:pic>
+      <p:sp>
+        <p:nvSpPr>
+          <p:cNvPr id="5" name="TextBox 4"/>
+          <p:cNvSpPr txBox="1"/>
+          <p:nvPr/>
+        </p:nvSpPr>
+        <p:spPr>
+          <a:xfrm>
+            <a:off x="3791478" y="3984004"/>
+            <a:ext cx="3240360" cy="461665"/>
+          </a:xfrm>
+          <a:prstGeom prst="rect">
+            <a:avLst/>
+          </a:prstGeom>
+          <a:noFill/>
+        </p:spPr>
+        <p:txBody>
+          <a:bodyPr wrap="square" rtlCol="0">
+            <a:spAutoFit/>
+          </a:bodyPr>
+          <a:lstStyle/>
+          <a:p>
+            <a:r>
+              <a:rPr lang="en-US" altLang="ko-KR" sz="1200" b="1" dirty="0" smtClean="0"/>
+              <a:t>-</a:t>
+            </a:r>
+            <a:r>
+              <a:rPr lang="ko-KR" altLang="en-US" sz="1200" b="1" dirty="0" err="1" smtClean="0"/>
+              <a:t>네크로댄서</a:t>
+            </a:r>
+            <a:endParaRPr lang="en-US" altLang="ko-KR" sz="1200" b="1" dirty="0"/>
+          </a:p>
+          <a:p>
+            <a:r>
+              <a:rPr lang="en-US" altLang="ko-KR" sz="1200" b="1" dirty="0" smtClean="0"/>
+              <a:t>-</a:t>
+            </a:r>
+            <a:r>
+              <a:rPr lang="ko-KR" altLang="en-US" sz="1200" b="1" dirty="0" err="1" smtClean="0"/>
+              <a:t>듀토리얼로</a:t>
+            </a:r>
+            <a:r>
+              <a:rPr lang="ko-KR" altLang="en-US" sz="1200" b="1" dirty="0" smtClean="0"/>
+              <a:t> 적용된 게</a:t>
+            </a:r>
+            <a:r>
+              <a:rPr lang="ko-KR" altLang="en-US" sz="1200" b="1" dirty="0"/>
+              <a:t>임</a:t>
+            </a:r>
+          </a:p>
+        </p:txBody>
+      </p:sp>
+      <p:sp>
+        <p:nvSpPr>
+          <p:cNvPr id="6" name="TextBox 5"/>
+          <p:cNvSpPr txBox="1"/>
+          <p:nvPr/>
+        </p:nvSpPr>
+        <p:spPr>
+          <a:xfrm>
+            <a:off x="3203848" y="387910"/>
+            <a:ext cx="2891730" cy="369332"/>
+          </a:xfrm>
+          <a:prstGeom prst="rect">
+            <a:avLst/>
+          </a:prstGeom>
+          <a:noFill/>
+        </p:spPr>
+        <p:txBody>
+          <a:bodyPr wrap="square" rtlCol="0">
+            <a:spAutoFit/>
+          </a:bodyPr>
+          <a:lstStyle/>
+          <a:p>
+            <a:pPr algn="ctr"/>
+            <a:r>
+              <a:rPr lang="ko-KR" altLang="en-US" dirty="0" smtClean="0"/>
+              <a:t>추가된 점</a:t>
+            </a:r>
+            <a:r>
+              <a:rPr lang="en-US" altLang="ko-KR" dirty="0" smtClean="0"/>
+              <a:t>(2</a:t>
+            </a:r>
+            <a:r>
+              <a:rPr lang="ko-KR" altLang="en-US" dirty="0" smtClean="0"/>
+              <a:t>차에 비해</a:t>
+            </a:r>
+            <a:r>
+              <a:rPr lang="en-US" altLang="ko-KR" dirty="0" smtClean="0"/>
+              <a:t>)</a:t>
+            </a:r>
+            <a:endParaRPr lang="ko-KR" altLang="en-US" dirty="0"/>
+          </a:p>
+        </p:txBody>
+      </p:sp>
+      <p:pic>
+        <p:nvPicPr>
+          <p:cNvPr id="7" name="Picture 2"/>
+          <p:cNvPicPr>
+            <a:picLocks noChangeAspect="1" noChangeArrowheads="1"/>
+          </p:cNvPicPr>
+          <p:nvPr/>
+        </p:nvPicPr>
+        <p:blipFill>
+          <a:blip r:embed="rId3" cstate="print">
+            <a:extLst>
+              <a:ext uri="{28A0092B-C50C-407E-A947-70E740481C1C}">
+                <a14:useLocalDpi xmlns:a14="http://schemas.microsoft.com/office/drawing/2010/main" val="0"/>
+              </a:ext>
+            </a:extLst>
+          </a:blip>
+          <a:srcRect/>
+          <a:stretch>
+            <a:fillRect/>
+          </a:stretch>
+        </p:blipFill>
+        <p:spPr bwMode="auto">
+          <a:xfrm>
+            <a:off x="611560" y="5085184"/>
+            <a:ext cx="2747867" cy="1584176"/>
+          </a:xfrm>
+          <a:prstGeom prst="rect">
+            <a:avLst/>
+          </a:prstGeom>
+          <a:noFill/>
+          <a:ln>
+            <a:noFill/>
+          </a:ln>
+          <a:extLst>
+            <a:ext uri="{909E8E84-426E-40DD-AFC4-6F175D3DCCD1}">
+              <a14:hiddenFill xmlns:a14="http://schemas.microsoft.com/office/drawing/2010/main">
+                <a:solidFill>
+                  <a:schemeClr val="accent1"/>
+                </a:solidFill>
+              </a14:hiddenFill>
+            </a:ext>
+            <a:ext uri="{91240B29-F687-4F45-9708-019B960494DF}">
+              <a14:hiddenLine xmlns:a14="http://schemas.microsoft.com/office/drawing/2010/main" w="9525">
+                <a:solidFill>
+                  <a:schemeClr val="tx1"/>
+                </a:solidFill>
+                <a:miter lim="800000"/>
+                <a:headEnd/>
+                <a:tailEnd/>
+              </a14:hiddenLine>
+            </a:ext>
+          </a:extLst>
+        </p:spPr>
+      </p:pic>
+      <p:sp>
+        <p:nvSpPr>
+          <p:cNvPr id="8" name="TextBox 7"/>
+          <p:cNvSpPr txBox="1"/>
+          <p:nvPr/>
+        </p:nvSpPr>
+        <p:spPr>
+          <a:xfrm>
+            <a:off x="3786611" y="5277107"/>
+            <a:ext cx="4824536" cy="830997"/>
+          </a:xfrm>
+          <a:prstGeom prst="rect">
+            <a:avLst/>
+          </a:prstGeom>
+          <a:noFill/>
+        </p:spPr>
+        <p:txBody>
+          <a:bodyPr wrap="square" rtlCol="0">
+            <a:spAutoFit/>
+          </a:bodyPr>
+          <a:lstStyle/>
+          <a:p>
+            <a:r>
+              <a:rPr lang="ko-KR" altLang="en-US" sz="1200" b="1" dirty="0" err="1" smtClean="0"/>
+              <a:t>듀토리얼</a:t>
+            </a:r>
+            <a:r>
+              <a:rPr lang="ko-KR" altLang="en-US" sz="1200" b="1" dirty="0" smtClean="0"/>
+              <a:t> 플레이 화면</a:t>
+            </a:r>
+            <a:endParaRPr lang="en-US" altLang="ko-KR" sz="1200" b="1" dirty="0" smtClean="0"/>
+          </a:p>
+          <a:p>
+            <a:r>
+              <a:rPr lang="ko-KR" altLang="en-US" sz="1200" b="1" dirty="0" smtClean="0"/>
+              <a:t>파란 색 </a:t>
+            </a:r>
+            <a:r>
+              <a:rPr lang="ko-KR" altLang="en-US" sz="1200" b="1" dirty="0" err="1" smtClean="0"/>
+              <a:t>손모양이</a:t>
+            </a:r>
+            <a:r>
+              <a:rPr lang="ko-KR" altLang="en-US" sz="1200" b="1" dirty="0" smtClean="0"/>
+              <a:t> 노트</a:t>
+            </a:r>
+            <a:endParaRPr lang="en-US" altLang="ko-KR" sz="1200" b="1" dirty="0" smtClean="0"/>
+          </a:p>
+          <a:p>
+            <a:r>
+              <a:rPr lang="ko-KR" altLang="en-US" sz="1200" b="1" dirty="0" smtClean="0"/>
+              <a:t>목표지점은 가운데인 관의 위치</a:t>
+            </a:r>
+            <a:endParaRPr lang="en-US" altLang="ko-KR" sz="1200" b="1" dirty="0" smtClean="0"/>
+          </a:p>
+          <a:p>
+            <a:r>
+              <a:rPr lang="en-US" altLang="ko-KR" sz="1200" b="1" dirty="0" smtClean="0"/>
+              <a:t>(</a:t>
+            </a:r>
+            <a:r>
+              <a:rPr lang="ko-KR" altLang="en-US" sz="1200" b="1" dirty="0" smtClean="0"/>
+              <a:t>목표물 이미지를 추가 하거나 선을 그을 예정</a:t>
+            </a:r>
+            <a:r>
+              <a:rPr lang="en-US" altLang="ko-KR" sz="1200" b="1" dirty="0" smtClean="0"/>
+              <a:t>)</a:t>
+            </a:r>
+          </a:p>
+        </p:txBody>
+      </p:sp>
+      <p:pic>
+        <p:nvPicPr>
+          <p:cNvPr id="11" name="Picture 2"/>
+          <p:cNvPicPr>
+            <a:picLocks noChangeAspect="1" noChangeArrowheads="1"/>
+          </p:cNvPicPr>
+          <p:nvPr/>
+        </p:nvPicPr>
+        <p:blipFill>
+          <a:blip r:embed="rId4" cstate="print">
+            <a:extLst>
+              <a:ext uri="{28A0092B-C50C-407E-A947-70E740481C1C}">
+                <a14:useLocalDpi xmlns:a14="http://schemas.microsoft.com/office/drawing/2010/main" val="0"/>
+              </a:ext>
+            </a:extLst>
+          </a:blip>
+          <a:srcRect/>
+          <a:stretch>
+            <a:fillRect/>
+          </a:stretch>
+        </p:blipFill>
+        <p:spPr bwMode="auto">
+          <a:xfrm>
+            <a:off x="606895" y="811094"/>
+            <a:ext cx="2752532" cy="1897826"/>
+          </a:xfrm>
+          <a:prstGeom prst="rect">
+            <a:avLst/>
+          </a:prstGeom>
+          <a:noFill/>
+          <a:ln>
+            <a:noFill/>
+          </a:ln>
+          <a:extLst>
+            <a:ext uri="{909E8E84-426E-40DD-AFC4-6F175D3DCCD1}">
+              <a14:hiddenFill xmlns:a14="http://schemas.microsoft.com/office/drawing/2010/main">
+                <a:solidFill>
+                  <a:schemeClr val="accent1"/>
+                </a:solidFill>
+              </a14:hiddenFill>
+            </a:ext>
+            <a:ext uri="{91240B29-F687-4F45-9708-019B960494DF}">
+              <a14:hiddenLine xmlns:a14="http://schemas.microsoft.com/office/drawing/2010/main" w="9525">
+                <a:solidFill>
+                  <a:schemeClr val="tx1"/>
+                </a:solidFill>
+                <a:miter lim="800000"/>
+                <a:headEnd/>
+                <a:tailEnd/>
+              </a14:hiddenLine>
+            </a:ext>
+          </a:extLst>
+        </p:spPr>
+      </p:pic>
+      <p:pic>
+        <p:nvPicPr>
+          <p:cNvPr id="12" name="그림 11">
+            <a:extLst>
+              <a:ext uri="{FF2B5EF4-FFF2-40B4-BE49-F238E27FC236}">
+                <a16:creationId xmlns:a16="http://schemas.microsoft.com/office/drawing/2014/main" xmlns="" id="{DFC93560-F7D4-4A87-8CF9-9F62AAFEB1A2}"/>
+              </a:ext>
+            </a:extLst>
+          </p:cNvPr>
+          <p:cNvPicPr>
+            <a:picLocks noChangeAspect="1"/>
+          </p:cNvPicPr>
+          <p:nvPr/>
+        </p:nvPicPr>
+        <p:blipFill>
+          <a:blip r:embed="rId5"/>
+          <a:stretch>
+            <a:fillRect/>
+          </a:stretch>
+        </p:blipFill>
+        <p:spPr>
+          <a:xfrm>
+            <a:off x="4649713" y="956724"/>
+            <a:ext cx="1656184" cy="1176132"/>
+          </a:xfrm>
+          <a:prstGeom prst="rect">
+            <a:avLst/>
+          </a:prstGeom>
+        </p:spPr>
+      </p:pic>
+      <p:sp>
+        <p:nvSpPr>
+          <p:cNvPr id="10" name="아래쪽 화살표 9"/>
+          <p:cNvSpPr/>
+          <p:nvPr/>
+        </p:nvSpPr>
+        <p:spPr>
+          <a:xfrm rot="5206825">
+            <a:off x="3575454" y="1220754"/>
+            <a:ext cx="432048" cy="648072"/>
+          </a:xfrm>
+          <a:prstGeom prst="downArrow">
+            <a:avLst/>
+          </a:prstGeom>
+        </p:spPr>
+        <p:style>
+          <a:lnRef idx="2">
+            <a:schemeClr val="accent1">
+              <a:shade val="50000"/>
+            </a:schemeClr>
+          </a:lnRef>
+          <a:fillRef idx="1">
+            <a:schemeClr val="accent1"/>
+          </a:fillRef>
+          <a:effectRef idx="0">
+            <a:schemeClr val="accent1"/>
+          </a:effectRef>
+          <a:fontRef idx="minor">
+            <a:schemeClr val="lt1"/>
+          </a:fontRef>
+        </p:style>
+        <p:txBody>
+          <a:bodyPr rtlCol="0" anchor="ctr"/>
+          <a:lstStyle/>
+          <a:p>
+            <a:pPr algn="ctr"/>
+            <a:endParaRPr lang="ko-KR" altLang="en-US"/>
+          </a:p>
+        </p:txBody>
+      </p:sp>
+      <p:sp>
+        <p:nvSpPr>
+          <p:cNvPr id="13" name="TextBox 12"/>
+          <p:cNvSpPr txBox="1"/>
+          <p:nvPr/>
+        </p:nvSpPr>
+        <p:spPr>
+          <a:xfrm>
+            <a:off x="3077100" y="1844824"/>
+            <a:ext cx="3228797" cy="553998"/>
+          </a:xfrm>
+          <a:prstGeom prst="rect">
+            <a:avLst/>
+          </a:prstGeom>
+          <a:noFill/>
+        </p:spPr>
+        <p:txBody>
+          <a:bodyPr wrap="square" rtlCol="0">
+            <a:spAutoFit/>
+          </a:bodyPr>
+          <a:lstStyle/>
+          <a:p>
+            <a:r>
+              <a:rPr lang="ko-KR" altLang="en-US" sz="1200" dirty="0" smtClean="0"/>
+              <a:t>게임 선택화면 디자인 </a:t>
+            </a:r>
+            <a:r>
+              <a:rPr lang="ko-KR" altLang="en-US" sz="1200" dirty="0"/>
+              <a:t>수정</a:t>
+            </a:r>
+            <a:endParaRPr lang="en-US" altLang="ko-KR" sz="1200" dirty="0"/>
+          </a:p>
+          <a:p>
+            <a:endParaRPr lang="ko-KR" altLang="en-US" dirty="0"/>
+          </a:p>
+        </p:txBody>
+      </p:sp>
+      <p:sp>
+        <p:nvSpPr>
+          <p:cNvPr id="14" name="TextBox 13"/>
+          <p:cNvSpPr txBox="1"/>
+          <p:nvPr/>
+        </p:nvSpPr>
+        <p:spPr>
+          <a:xfrm>
+            <a:off x="4211960" y="2276872"/>
+            <a:ext cx="3960440" cy="646331"/>
+          </a:xfrm>
+          <a:prstGeom prst="rect">
+            <a:avLst/>
+          </a:prstGeom>
+          <a:noFill/>
+        </p:spPr>
+        <p:txBody>
+          <a:bodyPr wrap="square" rtlCol="0">
+            <a:spAutoFit/>
+          </a:bodyPr>
+          <a:lstStyle/>
+          <a:p>
+            <a:r>
+              <a:rPr lang="ko-KR" altLang="en-US" sz="1200" dirty="0" smtClean="0"/>
+              <a:t>위에 제목 및 상태 추가</a:t>
+            </a:r>
+            <a:endParaRPr lang="en-US" altLang="ko-KR" sz="1200" dirty="0" smtClean="0"/>
+          </a:p>
+          <a:p>
+            <a:r>
+              <a:rPr lang="en-US" altLang="ko-KR" sz="1200" dirty="0" smtClean="0"/>
+              <a:t>HIGH SCORE </a:t>
+            </a:r>
+            <a:r>
+              <a:rPr lang="ko-KR" altLang="en-US" sz="1200" dirty="0" smtClean="0"/>
+              <a:t>이미지 추가</a:t>
+            </a:r>
+            <a:endParaRPr lang="en-US" altLang="ko-KR" sz="1200" dirty="0" smtClean="0"/>
+          </a:p>
+          <a:p>
+            <a:r>
+              <a:rPr lang="ko-KR" altLang="en-US" sz="1200" dirty="0" smtClean="0"/>
+              <a:t>추가 예정 </a:t>
+            </a:r>
+            <a:r>
+              <a:rPr lang="en-US" altLang="ko-KR" sz="1200" dirty="0" smtClean="0"/>
+              <a:t>:</a:t>
+            </a:r>
+            <a:r>
+              <a:rPr lang="ko-KR" altLang="en-US" sz="1200" smtClean="0"/>
+              <a:t> 폰트를 이용한 플레이 한 점수 출력</a:t>
+            </a:r>
+            <a:endParaRPr lang="en-US" altLang="ko-KR" sz="1200" dirty="0" smtClean="0"/>
+          </a:p>
+        </p:txBody>
+      </p:sp>
+    </p:spTree>
+    <p:extLst>
+      <p:ext uri="{BB962C8B-B14F-4D97-AF65-F5344CB8AC3E}">
+        <p14:creationId xmlns:p14="http://schemas.microsoft.com/office/powerpoint/2010/main" val="1545495305"/>
+      </p:ext>
+    </p:extLst>
+  </p:cSld>
+  <p:clrMapOvr>
+    <a:masterClrMapping/>
+  </p:clrMapOvr>
+</p:sld>
+</file>
+
+<file path=ppt/slides/slide6.xml><?xml version="1.0" encoding="utf-8"?>
+<p:sld xmlns:a="http://schemas.openxmlformats.org/drawingml/2006/main" xmlns:r="http://schemas.openxmlformats.org/officeDocument/2006/relationships" xmlns:p="http://schemas.openxmlformats.org/presentationml/2006/main">
+  <p:cSld>
+    <p:spTree>
+      <p:nvGrpSpPr>
+        <p:cNvPr id="1" name=""/>
+        <p:cNvGrpSpPr/>
+        <p:nvPr/>
+      </p:nvGrpSpPr>
+      <p:grpSpPr>
+        <a:xfrm>
+          <a:off x="0" y="0"/>
+          <a:ext cx="0" cy="0"/>
+          <a:chOff x="0" y="0"/>
+          <a:chExt cx="0" cy="0"/>
+        </a:xfrm>
+      </p:grpSpPr>
       <p:graphicFrame>
         <p:nvGraphicFramePr>
           <p:cNvPr id="5" name="표 4">
             <a:extLst>
               <a:ext uri="{FF2B5EF4-FFF2-40B4-BE49-F238E27FC236}">
-                <a16:creationId xmlns:a16="http://schemas.microsoft.com/office/drawing/2014/main" id="{7CFDA832-3336-48E7-9749-D9765FE5A8F4}"/>
+                <a16:creationId xmlns:a16="http://schemas.microsoft.com/office/drawing/2014/main" xmlns="" id="{7CFDA832-3336-48E7-9749-D9765FE5A8F4}"/>
               </a:ext>
             </a:extLst>
           </p:cNvPr>
@@ -6833,28 +7471,28 @@
                 <a:gridCol w="1749720">
                   <a:extLst>
                     <a:ext uri="{9D8B030D-6E8A-4147-A177-3AD203B41FA5}">
-                      <a16:colId xmlns:a16="http://schemas.microsoft.com/office/drawing/2014/main" val="136228263"/>
+                      <a16:colId xmlns:a16="http://schemas.microsoft.com/office/drawing/2014/main" xmlns="" val="136228263"/>
                     </a:ext>
                   </a:extLst>
                 </a:gridCol>
                 <a:gridCol w="4032449">
                   <a:extLst>
                     <a:ext uri="{9D8B030D-6E8A-4147-A177-3AD203B41FA5}">
-                      <a16:colId xmlns:a16="http://schemas.microsoft.com/office/drawing/2014/main" val="3787382113"/>
+                      <a16:colId xmlns:a16="http://schemas.microsoft.com/office/drawing/2014/main" xmlns="" val="3787382113"/>
                     </a:ext>
                   </a:extLst>
                 </a:gridCol>
                 <a:gridCol w="216024">
                   <a:extLst>
                     <a:ext uri="{9D8B030D-6E8A-4147-A177-3AD203B41FA5}">
-                      <a16:colId xmlns:a16="http://schemas.microsoft.com/office/drawing/2014/main" val="3349098217"/>
+                      <a16:colId xmlns:a16="http://schemas.microsoft.com/office/drawing/2014/main" xmlns="" val="3349098217"/>
                     </a:ext>
                   </a:extLst>
                 </a:gridCol>
                 <a:gridCol w="3218831">
                   <a:extLst>
                     <a:ext uri="{9D8B030D-6E8A-4147-A177-3AD203B41FA5}">
-                      <a16:colId xmlns:a16="http://schemas.microsoft.com/office/drawing/2014/main" val="3027780608"/>
+                      <a16:colId xmlns:a16="http://schemas.microsoft.com/office/drawing/2014/main" xmlns="" val="3027780608"/>
                     </a:ext>
                   </a:extLst>
                 </a:gridCol>
@@ -6912,7 +7550,7 @@
                 </a:tc>
                 <a:extLst>
                   <a:ext uri="{0D108BD9-81ED-4DB2-BD59-A6C34878D82A}">
-                    <a16:rowId xmlns:a16="http://schemas.microsoft.com/office/drawing/2014/main" val="90720167"/>
+                    <a16:rowId xmlns:a16="http://schemas.microsoft.com/office/drawing/2014/main" xmlns="" val="90720167"/>
                   </a:ext>
                 </a:extLst>
               </a:tr>
@@ -7050,7 +7688,7 @@
                 </a:tc>
                 <a:extLst>
                   <a:ext uri="{0D108BD9-81ED-4DB2-BD59-A6C34878D82A}">
-                    <a16:rowId xmlns:a16="http://schemas.microsoft.com/office/drawing/2014/main" val="422455863"/>
+                    <a16:rowId xmlns:a16="http://schemas.microsoft.com/office/drawing/2014/main" xmlns="" val="422455863"/>
                   </a:ext>
                 </a:extLst>
               </a:tr>
@@ -7192,7 +7830,7 @@
                 </a:tc>
                 <a:extLst>
                   <a:ext uri="{0D108BD9-81ED-4DB2-BD59-A6C34878D82A}">
-                    <a16:rowId xmlns:a16="http://schemas.microsoft.com/office/drawing/2014/main" val="2198348121"/>
+                    <a16:rowId xmlns:a16="http://schemas.microsoft.com/office/drawing/2014/main" xmlns="" val="2198348121"/>
                   </a:ext>
                 </a:extLst>
               </a:tr>
@@ -7252,7 +7890,7 @@
                 </a:tc>
                 <a:extLst>
                   <a:ext uri="{0D108BD9-81ED-4DB2-BD59-A6C34878D82A}">
-                    <a16:rowId xmlns:a16="http://schemas.microsoft.com/office/drawing/2014/main" val="2185084688"/>
+                    <a16:rowId xmlns:a16="http://schemas.microsoft.com/office/drawing/2014/main" xmlns="" val="2185084688"/>
                   </a:ext>
                 </a:extLst>
               </a:tr>
@@ -7338,7 +7976,7 @@
                 </a:tc>
                 <a:extLst>
                   <a:ext uri="{0D108BD9-81ED-4DB2-BD59-A6C34878D82A}">
-                    <a16:rowId xmlns:a16="http://schemas.microsoft.com/office/drawing/2014/main" val="694700452"/>
+                    <a16:rowId xmlns:a16="http://schemas.microsoft.com/office/drawing/2014/main" xmlns="" val="694700452"/>
                   </a:ext>
                 </a:extLst>
               </a:tr>
@@ -7463,7 +8101,7 @@
                 </a:tc>
                 <a:extLst>
                   <a:ext uri="{0D108BD9-81ED-4DB2-BD59-A6C34878D82A}">
-                    <a16:rowId xmlns:a16="http://schemas.microsoft.com/office/drawing/2014/main" val="127437142"/>
+                    <a16:rowId xmlns:a16="http://schemas.microsoft.com/office/drawing/2014/main" xmlns="" val="127437142"/>
                   </a:ext>
                 </a:extLst>
               </a:tr>
@@ -7517,7 +8155,7 @@
                 </a:tc>
                 <a:extLst>
                   <a:ext uri="{0D108BD9-81ED-4DB2-BD59-A6C34878D82A}">
-                    <a16:rowId xmlns:a16="http://schemas.microsoft.com/office/drawing/2014/main" val="3092390548"/>
+                    <a16:rowId xmlns:a16="http://schemas.microsoft.com/office/drawing/2014/main" xmlns="" val="3092390548"/>
                   </a:ext>
                 </a:extLst>
               </a:tr>
@@ -7603,7 +8241,7 @@
                 </a:tc>
                 <a:extLst>
                   <a:ext uri="{0D108BD9-81ED-4DB2-BD59-A6C34878D82A}">
-                    <a16:rowId xmlns:a16="http://schemas.microsoft.com/office/drawing/2014/main" val="4011634776"/>
+                    <a16:rowId xmlns:a16="http://schemas.microsoft.com/office/drawing/2014/main" xmlns="" val="4011634776"/>
                   </a:ext>
                 </a:extLst>
               </a:tr>
@@ -7624,7 +8262,7 @@
 </p:sld>
 </file>
 
-<file path=ppt/slides/slide6.xml><?xml version="1.0" encoding="utf-8"?>
+<file path=ppt/slides/slide7.xml><?xml version="1.0" encoding="utf-8"?>
 <p:sld xmlns:a="http://schemas.openxmlformats.org/drawingml/2006/main" xmlns:r="http://schemas.openxmlformats.org/officeDocument/2006/relationships" xmlns:p="http://schemas.openxmlformats.org/presentationml/2006/main">
   <p:cSld>
     <p:spTree>
@@ -7646,7 +8284,7 @@
           <p:cNvPr id="4" name="표 3">
             <a:extLst>
               <a:ext uri="{FF2B5EF4-FFF2-40B4-BE49-F238E27FC236}">
-                <a16:creationId xmlns:a16="http://schemas.microsoft.com/office/drawing/2014/main" id="{D8EE50E1-559C-469F-86C5-AC4C02111BD2}"/>
+                <a16:creationId xmlns:a16="http://schemas.microsoft.com/office/drawing/2014/main" xmlns="" id="{D8EE50E1-559C-469F-86C5-AC4C02111BD2}"/>
               </a:ext>
             </a:extLst>
           </p:cNvPr>
@@ -7675,14 +8313,14 @@
                 <a:gridCol w="4572000">
                   <a:extLst>
                     <a:ext uri="{9D8B030D-6E8A-4147-A177-3AD203B41FA5}">
-                      <a16:colId xmlns:a16="http://schemas.microsoft.com/office/drawing/2014/main" val="4269620808"/>
+                      <a16:colId xmlns:a16="http://schemas.microsoft.com/office/drawing/2014/main" xmlns="" val="4269620808"/>
                     </a:ext>
                   </a:extLst>
                 </a:gridCol>
                 <a:gridCol w="4572000">
                   <a:extLst>
                     <a:ext uri="{9D8B030D-6E8A-4147-A177-3AD203B41FA5}">
-                      <a16:colId xmlns:a16="http://schemas.microsoft.com/office/drawing/2014/main" val="2275193378"/>
+                      <a16:colId xmlns:a16="http://schemas.microsoft.com/office/drawing/2014/main" xmlns="" val="2275193378"/>
                     </a:ext>
                   </a:extLst>
                 </a:gridCol>
@@ -7718,7 +8356,7 @@
                 </a:tc>
                 <a:extLst>
                   <a:ext uri="{0D108BD9-81ED-4DB2-BD59-A6C34878D82A}">
-                    <a16:rowId xmlns:a16="http://schemas.microsoft.com/office/drawing/2014/main" val="2313923352"/>
+                    <a16:rowId xmlns:a16="http://schemas.microsoft.com/office/drawing/2014/main" xmlns="" val="2313923352"/>
                   </a:ext>
                 </a:extLst>
               </a:tr>
@@ -7759,7 +8397,7 @@
                 </a:tc>
                 <a:extLst>
                   <a:ext uri="{0D108BD9-81ED-4DB2-BD59-A6C34878D82A}">
-                    <a16:rowId xmlns:a16="http://schemas.microsoft.com/office/drawing/2014/main" val="1754924232"/>
+                    <a16:rowId xmlns:a16="http://schemas.microsoft.com/office/drawing/2014/main" xmlns="" val="1754924232"/>
                   </a:ext>
                 </a:extLst>
               </a:tr>
@@ -7799,7 +8437,7 @@
                 </a:tc>
                 <a:extLst>
                   <a:ext uri="{0D108BD9-81ED-4DB2-BD59-A6C34878D82A}">
-                    <a16:rowId xmlns:a16="http://schemas.microsoft.com/office/drawing/2014/main" val="3680271605"/>
+                    <a16:rowId xmlns:a16="http://schemas.microsoft.com/office/drawing/2014/main" xmlns="" val="3680271605"/>
                   </a:ext>
                 </a:extLst>
               </a:tr>
@@ -7840,7 +8478,7 @@
                 </a:tc>
                 <a:extLst>
                   <a:ext uri="{0D108BD9-81ED-4DB2-BD59-A6C34878D82A}">
-                    <a16:rowId xmlns:a16="http://schemas.microsoft.com/office/drawing/2014/main" val="249175998"/>
+                    <a16:rowId xmlns:a16="http://schemas.microsoft.com/office/drawing/2014/main" xmlns="" val="249175998"/>
                   </a:ext>
                 </a:extLst>
               </a:tr>
@@ -7881,7 +8519,7 @@
                 </a:tc>
                 <a:extLst>
                   <a:ext uri="{0D108BD9-81ED-4DB2-BD59-A6C34878D82A}">
-                    <a16:rowId xmlns:a16="http://schemas.microsoft.com/office/drawing/2014/main" val="19173792"/>
+                    <a16:rowId xmlns:a16="http://schemas.microsoft.com/office/drawing/2014/main" xmlns="" val="19173792"/>
                   </a:ext>
                 </a:extLst>
               </a:tr>
@@ -7930,7 +8568,7 @@
                 </a:tc>
                 <a:extLst>
                   <a:ext uri="{0D108BD9-81ED-4DB2-BD59-A6C34878D82A}">
-                    <a16:rowId xmlns:a16="http://schemas.microsoft.com/office/drawing/2014/main" val="2125617736"/>
+                    <a16:rowId xmlns:a16="http://schemas.microsoft.com/office/drawing/2014/main" xmlns="" val="2125617736"/>
                   </a:ext>
                 </a:extLst>
               </a:tr>
@@ -7971,7 +8609,7 @@
                 </a:tc>
                 <a:extLst>
                   <a:ext uri="{0D108BD9-81ED-4DB2-BD59-A6C34878D82A}">
-                    <a16:rowId xmlns:a16="http://schemas.microsoft.com/office/drawing/2014/main" val="3144540197"/>
+                    <a16:rowId xmlns:a16="http://schemas.microsoft.com/office/drawing/2014/main" xmlns="" val="3144540197"/>
                   </a:ext>
                 </a:extLst>
               </a:tr>
